--- a/docs/final_presentation.pptx
+++ b/docs/final_presentation.pptx
@@ -117,6 +117,11 @@
       </a:defRPr>
     </a:lvl9pPr>
   </p:defaultTextStyle>
+  <p:extLst>
+    <p:ext uri="{EFAFB233-063F-42B5-8137-9DF3F51BA10A}">
+      <p15:sldGuideLst xmlns:p15="http://schemas.microsoft.com/office/powerpoint/2012/main"/>
+    </p:ext>
+  </p:extLst>
 </p:presentation>
 </file>
 
@@ -20411,7 +20416,7 @@
           <a:p>
             <a:fld id="{92538219-6E45-4D12-B767-46F92D5844D4}" type="datetime1">
               <a:rPr lang="en-US" smtClean="0"/>
-              <a:t>4/26/25</a:t>
+              <a:t>4/27/25</a:t>
             </a:fld>
             <a:endParaRPr lang="en-US"/>
           </a:p>
@@ -20609,7 +20614,7 @@
           <a:p>
             <a:fld id="{836430B8-6059-41E5-A5DC-C07A76F5859A}" type="datetime1">
               <a:rPr lang="en-US" smtClean="0"/>
-              <a:t>4/26/25</a:t>
+              <a:t>4/27/25</a:t>
             </a:fld>
             <a:endParaRPr lang="en-US"/>
           </a:p>
@@ -20871,7 +20876,7 @@
           <a:p>
             <a:fld id="{A09D0CB7-D16E-4358-B7F4-EA4A24554592}" type="datetime1">
               <a:rPr lang="en-US" smtClean="0"/>
-              <a:t>4/26/25</a:t>
+              <a:t>4/27/25</a:t>
             </a:fld>
             <a:endParaRPr lang="en-US"/>
           </a:p>
@@ -21087,7 +21092,7 @@
           <a:p>
             <a:fld id="{8BB296A2-D8F0-4E17-BFD0-A6C902250D59}" type="datetime1">
               <a:rPr lang="en-US" smtClean="0"/>
-              <a:t>4/26/25</a:t>
+              <a:t>4/27/25</a:t>
             </a:fld>
             <a:endParaRPr lang="en-US"/>
           </a:p>
@@ -21417,7 +21422,7 @@
           <a:p>
             <a:fld id="{D9108C9C-1ACB-4C84-A002-C7E0E45B937A}" type="datetime1">
               <a:rPr lang="en-US" smtClean="0"/>
-              <a:t>4/26/25</a:t>
+              <a:t>4/27/25</a:t>
             </a:fld>
             <a:endParaRPr lang="en-US"/>
           </a:p>
@@ -21690,7 +21695,7 @@
           <a:p>
             <a:fld id="{F49AF2A5-B297-4977-9E5B-4D3050E23689}" type="datetime1">
               <a:rPr lang="en-US" smtClean="0"/>
-              <a:t>4/26/25</a:t>
+              <a:t>4/27/25</a:t>
             </a:fld>
             <a:endParaRPr lang="en-US"/>
           </a:p>
@@ -22105,7 +22110,7 @@
           <a:p>
             <a:fld id="{70127434-4794-409A-9547-04789BA47588}" type="datetime1">
               <a:rPr lang="en-US" smtClean="0"/>
-              <a:t>4/26/25</a:t>
+              <a:t>4/27/25</a:t>
             </a:fld>
             <a:endParaRPr lang="en-US"/>
           </a:p>
@@ -22246,7 +22251,7 @@
           <a:p>
             <a:fld id="{85658635-357A-4E3D-B824-A5CEFDB8449C}" type="datetime1">
               <a:rPr lang="en-US" smtClean="0"/>
-              <a:t>4/26/25</a:t>
+              <a:t>4/27/25</a:t>
             </a:fld>
             <a:endParaRPr lang="en-US"/>
           </a:p>
@@ -22359,7 +22364,7 @@
           <a:p>
             <a:fld id="{7E86FF77-2719-4AD0-8740-0B90FF5D1EFB}" type="datetime1">
               <a:rPr lang="en-US" smtClean="0"/>
-              <a:t>4/26/25</a:t>
+              <a:t>4/27/25</a:t>
             </a:fld>
             <a:endParaRPr lang="en-US"/>
           </a:p>
@@ -22855,7 +22860,7 @@
           <a:p>
             <a:fld id="{6E441C83-1089-48B9-8B65-293D4C236D35}" type="datetime1">
               <a:rPr lang="en-US" smtClean="0"/>
-              <a:t>4/26/25</a:t>
+              <a:t>4/27/25</a:t>
             </a:fld>
             <a:endParaRPr lang="en-US"/>
           </a:p>
@@ -23331,7 +23336,7 @@
           <a:p>
             <a:fld id="{D162FE45-CC1E-47DB-8B82-6CF0636FBDB8}" type="datetime1">
               <a:rPr lang="en-US" smtClean="0"/>
-              <a:t>4/26/25</a:t>
+              <a:t>4/27/25</a:t>
             </a:fld>
             <a:endParaRPr lang="en-US"/>
           </a:p>
@@ -23626,7 +23631,7 @@
           <a:p>
             <a:fld id="{51FC8E16-3C03-4238-9C6F-B34F3D10F77E}" type="datetime1">
               <a:rPr lang="en-US" smtClean="0"/>
-              <a:t>4/26/25</a:t>
+              <a:t>4/27/25</a:t>
             </a:fld>
             <a:endParaRPr lang="en-US" dirty="0"/>
           </a:p>
@@ -24414,19 +24419,19 @@
           <a:p>
             <a:r>
               <a:rPr lang="en-US" sz="1600" dirty="0"/>
-              <a:t>Prajwal</a:t>
+              <a:t>Prajwal Eswar Chegrla</a:t>
             </a:r>
           </a:p>
           <a:p>
             <a:r>
               <a:rPr lang="en-US" sz="1600" dirty="0"/>
-              <a:t>Lahari</a:t>
+              <a:t>Lahari Nadendla</a:t>
             </a:r>
           </a:p>
           <a:p>
             <a:r>
               <a:rPr lang="en-US" sz="1600" dirty="0"/>
-              <a:t>Rahul</a:t>
+              <a:t>Rahul Vajja</a:t>
             </a:r>
           </a:p>
         </p:txBody>
@@ -30034,7 +30039,7 @@
         </p:spPr>
         <p:txBody>
           <a:bodyPr anchor="ctr">
-            <a:normAutofit/>
+            <a:normAutofit lnSpcReduction="10000"/>
           </a:bodyPr>
           <a:lstStyle/>
           <a:p>
@@ -30222,14 +30227,76 @@
             </a:endParaRPr>
           </a:p>
           <a:p>
-            <a:pPr marL="342900" indent="-342900">
+            <a:pPr>
               <a:lnSpc>
                 <a:spcPct val="110000"/>
               </a:lnSpc>
-              <a:buFont typeface="Arial" panose="020B0604020202020204" pitchFamily="34" charset="0"/>
-              <a:buChar char="•"/>
             </a:pPr>
-            <a:endParaRPr lang="en-US" sz="1400" b="1" dirty="0"/>
+            <a:r>
+              <a:rPr lang="en-US" sz="1400" b="1" dirty="0"/>
+              <a:t>Project Live Demo:</a:t>
+            </a:r>
+            <a:endParaRPr lang="en-US" sz="1400" dirty="0"/>
+          </a:p>
+          <a:p>
+            <a:pPr algn="ctr">
+              <a:lnSpc>
+                <a:spcPct val="110000"/>
+              </a:lnSpc>
+            </a:pPr>
+            <a:r>
+              <a:rPr lang="en-US" sz="1400" u="sng" dirty="0">
+                <a:solidFill>
+                  <a:srgbClr val="0070C0"/>
+                </a:solidFill>
+              </a:rPr>
+              <a:t>https://</a:t>
+            </a:r>
+            <a:r>
+              <a:rPr lang="en-US" sz="1400" u="sng" dirty="0" err="1">
+                <a:solidFill>
+                  <a:srgbClr val="0070C0"/>
+                </a:solidFill>
+              </a:rPr>
+              <a:t>drive.google.com</a:t>
+            </a:r>
+            <a:r>
+              <a:rPr lang="en-US" sz="1400" u="sng" dirty="0">
+                <a:solidFill>
+                  <a:srgbClr val="0070C0"/>
+                </a:solidFill>
+              </a:rPr>
+              <a:t>/file/d/1PIdh-Dm4xl4jNsygqS45H9BPuj-ZvhHO/</a:t>
+            </a:r>
+            <a:r>
+              <a:rPr lang="en-US" sz="1400" u="sng" dirty="0" err="1">
+                <a:solidFill>
+                  <a:srgbClr val="0070C0"/>
+                </a:solidFill>
+              </a:rPr>
+              <a:t>view?usp</a:t>
+            </a:r>
+            <a:r>
+              <a:rPr lang="en-US" sz="1400" u="sng" dirty="0">
+                <a:solidFill>
+                  <a:srgbClr val="0070C0"/>
+                </a:solidFill>
+              </a:rPr>
+              <a:t>=</a:t>
+            </a:r>
+            <a:r>
+              <a:rPr lang="en-US" sz="1400" u="sng" dirty="0" err="1">
+                <a:solidFill>
+                  <a:srgbClr val="0070C0"/>
+                </a:solidFill>
+              </a:rPr>
+              <a:t>share_link</a:t>
+            </a:r>
+            <a:endParaRPr lang="en-US" sz="1400" u="sng" dirty="0">
+              <a:solidFill>
+                <a:srgbClr val="0070C0"/>
+              </a:solidFill>
+            </a:endParaRPr>
           </a:p>
         </p:txBody>
       </p:sp>
